--- a/GESTAO DE INFRAESTRUTURA - CCT0347/SLIDES/GI_ALB_20019_1_Aula06.pptx
+++ b/GESTAO DE INFRAESTRUTURA - CCT0347/SLIDES/GI_ALB_20019_1_Aula06.pptx
@@ -2875,7 +2875,7 @@
             <a:fld id="{E42B43C5-6F52-AD40-A97F-6E8DC5AF1C1A}" type="datetimeFigureOut">
               <a:rPr lang="en-US" smtClean="0"/>
               <a:pPr/>
-              <a:t>12/26/2018</a:t>
+              <a:t>3/28/2019</a:t>
             </a:fld>
             <a:endParaRPr lang="en-US"/>
           </a:p>
@@ -3058,7 +3058,7 @@
               <a:pPr>
                 <a:defRPr/>
               </a:pPr>
-              <a:t>12/26/2018</a:t>
+              <a:t>3/28/2019</a:t>
             </a:fld>
             <a:endParaRPr lang="en-US"/>
           </a:p>
@@ -8937,6 +8937,17 @@
               <a:buChar char="•"/>
             </a:pPr>
             <a:r>
+              <a:rPr lang="pt-BR" sz="1400" b="1" i="1" dirty="0">
+                <a:solidFill>
+                  <a:schemeClr val="tx1">
+                    <a:lumMod val="65000"/>
+                    <a:lumOff val="35000"/>
+                  </a:schemeClr>
+                </a:solidFill>
+              </a:rPr>
+              <a:t>Representar restrição ao negócio</a:t>
+            </a:r>
+            <a:r>
               <a:rPr lang="pt-BR" sz="1400" dirty="0">
                 <a:solidFill>
                   <a:schemeClr val="tx1">
@@ -8945,7 +8956,7 @@
                   </a:schemeClr>
                 </a:solidFill>
               </a:rPr>
-              <a:t>Representar restrição ao negócio, mas devem ser seguidos tendo em vista a sua capacidade de atração de capital de risco a um custo baixo e de geração de lucros;</a:t>
+              <a:t>, mas devem ser seguidos tendo em vista a sua capacidade de atração de capital de risco a um custo baixo e de geração de lucros;</a:t>
             </a:r>
           </a:p>
           <a:p>
@@ -9934,30 +9945,23 @@
             <a:prstGeom prst="rect">
               <a:avLst/>
             </a:prstGeom>
-            <a:noFill/>
-            <a:ln>
-              <a:noFill/>
-            </a:ln>
-            <a:extLst>
-              <a:ext uri="{909E8E84-426E-40DD-AFC4-6F175D3DCCD1}">
-                <a14:hiddenFill xmlns:a14="http://schemas.microsoft.com/office/drawing/2010/main">
-                  <a:solidFill>
-                    <a:schemeClr val="accent1"/>
-                  </a:solidFill>
-                </a14:hiddenFill>
-              </a:ext>
-              <a:ext uri="{91240B29-F687-4F45-9708-019B960494DF}">
-                <a14:hiddenLine xmlns:a14="http://schemas.microsoft.com/office/drawing/2010/main" w="9525">
-                  <a:solidFill>
-                    <a:schemeClr val="tx1"/>
-                  </a:solidFill>
-                  <a:miter lim="800000"/>
-                  <a:headEnd/>
-                  <a:tailEnd/>
-                </a14:hiddenLine>
-              </a:ext>
-            </a:extLst>
+            <a:ln/>
+            <a:extLst/>
           </p:spPr>
+          <p:style>
+            <a:lnRef idx="1">
+              <a:schemeClr val="accent4"/>
+            </a:lnRef>
+            <a:fillRef idx="2">
+              <a:schemeClr val="accent4"/>
+            </a:fillRef>
+            <a:effectRef idx="1">
+              <a:schemeClr val="accent4"/>
+            </a:effectRef>
+            <a:fontRef idx="minor">
+              <a:schemeClr val="dk1"/>
+            </a:fontRef>
+          </p:style>
         </p:pic>
         <p:cxnSp>
           <p:nvCxnSpPr>
@@ -9973,28 +9977,124 @@
             <a:prstGeom prst="line">
               <a:avLst/>
             </a:prstGeom>
-            <a:ln w="76200">
-              <a:solidFill>
-                <a:srgbClr val="FF0000"/>
-              </a:solidFill>
-            </a:ln>
+            <a:ln/>
           </p:spPr>
           <p:style>
-            <a:lnRef idx="2">
-              <a:schemeClr val="accent1"/>
+            <a:lnRef idx="1">
+              <a:schemeClr val="accent4"/>
             </a:lnRef>
-            <a:fillRef idx="0">
-              <a:schemeClr val="accent1"/>
+            <a:fillRef idx="2">
+              <a:schemeClr val="accent4"/>
             </a:fillRef>
             <a:effectRef idx="1">
-              <a:schemeClr val="accent1"/>
+              <a:schemeClr val="accent4"/>
             </a:effectRef>
             <a:fontRef idx="minor">
-              <a:schemeClr val="tx1"/>
+              <a:schemeClr val="dk1"/>
             </a:fontRef>
           </p:style>
         </p:cxnSp>
       </p:grpSp>
+      <p:sp>
+        <p:nvSpPr>
+          <p:cNvPr id="2" name="Retângulo 1">
+            <a:extLst>
+              <a:ext uri="{FF2B5EF4-FFF2-40B4-BE49-F238E27FC236}">
+                <a16:creationId xmlns:a16="http://schemas.microsoft.com/office/drawing/2014/main" id="{850F293A-2B9B-44E8-B206-F4AEE8C5B0D7}"/>
+              </a:ext>
+            </a:extLst>
+          </p:cNvPr>
+          <p:cNvSpPr/>
+          <p:nvPr/>
+        </p:nvSpPr>
+        <p:spPr>
+          <a:xfrm>
+            <a:off x="5423194" y="1289805"/>
+            <a:ext cx="2108752" cy="646331"/>
+          </a:xfrm>
+          <a:prstGeom prst="rect">
+            <a:avLst/>
+          </a:prstGeom>
+        </p:spPr>
+        <p:style>
+          <a:lnRef idx="1">
+            <a:schemeClr val="accent3"/>
+          </a:lnRef>
+          <a:fillRef idx="2">
+            <a:schemeClr val="accent3"/>
+          </a:fillRef>
+          <a:effectRef idx="1">
+            <a:schemeClr val="accent3"/>
+          </a:effectRef>
+          <a:fontRef idx="minor">
+            <a:schemeClr val="dk1"/>
+          </a:fontRef>
+        </p:style>
+        <p:txBody>
+          <a:bodyPr wrap="square">
+            <a:spAutoFit/>
+          </a:bodyPr>
+          <a:lstStyle/>
+          <a:p>
+            <a:r>
+              <a:rPr lang="pt-BR" i="1" dirty="0" err="1">
+                <a:solidFill>
+                  <a:schemeClr val="tx1">
+                    <a:lumMod val="65000"/>
+                    <a:lumOff val="35000"/>
+                  </a:schemeClr>
+                </a:solidFill>
+              </a:rPr>
+              <a:t>Evaluate</a:t>
+            </a:r>
+            <a:r>
+              <a:rPr lang="pt-BR" i="1" dirty="0">
+                <a:solidFill>
+                  <a:schemeClr val="tx1">
+                    <a:lumMod val="65000"/>
+                    <a:lumOff val="35000"/>
+                  </a:schemeClr>
+                </a:solidFill>
+              </a:rPr>
+              <a:t>, Direct </a:t>
+            </a:r>
+            <a:r>
+              <a:rPr lang="pt-BR" i="1" dirty="0" err="1">
+                <a:solidFill>
+                  <a:schemeClr val="tx1">
+                    <a:lumMod val="65000"/>
+                    <a:lumOff val="35000"/>
+                  </a:schemeClr>
+                </a:solidFill>
+              </a:rPr>
+              <a:t>and</a:t>
+            </a:r>
+            <a:r>
+              <a:rPr lang="pt-BR" i="1" dirty="0">
+                <a:solidFill>
+                  <a:schemeClr val="tx1">
+                    <a:lumMod val="65000"/>
+                    <a:lumOff val="35000"/>
+                  </a:schemeClr>
+                </a:solidFill>
+              </a:rPr>
+              <a:t> Monitor - </a:t>
+            </a:r>
+            <a:r>
+              <a:rPr lang="pt-BR" b="1" dirty="0">
+                <a:solidFill>
+                  <a:schemeClr val="tx1">
+                    <a:lumMod val="65000"/>
+                    <a:lumOff val="35000"/>
+                  </a:schemeClr>
+                </a:solidFill>
+              </a:rPr>
+              <a:t>EDM</a:t>
+            </a:r>
+            <a:endParaRPr lang="pt-BR" dirty="0"/>
+          </a:p>
+        </p:txBody>
+      </p:sp>
     </p:spTree>
     <p:extLst>
       <p:ext uri="{BB962C8B-B14F-4D97-AF65-F5344CB8AC3E}">
@@ -15286,6 +15386,14 @@
               <a:buChar char="•"/>
             </a:pPr>
             <a:r>
+              <a:rPr lang="pt-BR" sz="1400" b="1" dirty="0">
+                <a:solidFill>
+                  <a:srgbClr val="0070C0"/>
+                </a:solidFill>
+              </a:rPr>
+              <a:t>Os cinco domínios do modelo de referência</a:t>
+            </a:r>
+            <a:r>
               <a:rPr lang="pt-BR" sz="1400" dirty="0">
                 <a:solidFill>
                   <a:schemeClr val="tx1">
@@ -15294,7 +15402,7 @@
                   </a:schemeClr>
                 </a:solidFill>
               </a:rPr>
-              <a:t>Os cinco domínios do modelo de referência:</a:t>
+              <a:t>:</a:t>
             </a:r>
           </a:p>
           <a:p>
@@ -19711,9 +19819,9 @@
             </a:r>
           </a:p>
           <a:p>
-            <a:pPr marL="285750" indent="-285750">
-              <a:buFont typeface="Arial" panose="020B0604020202020204" pitchFamily="34" charset="0"/>
-              <a:buChar char="•"/>
+            <a:pPr marL="342900" indent="-342900">
+              <a:buFont typeface="+mj-lt"/>
+              <a:buAutoNum type="arabicPeriod"/>
             </a:pPr>
             <a:r>
               <a:rPr lang="pt-BR" sz="1400" dirty="0">
@@ -19724,15 +19832,42 @@
                   </a:schemeClr>
                 </a:solidFill>
               </a:rPr>
-              <a:t>Manter informações de alta qualidade para apoiar decisões corporativas;</a:t>
-            </a:r>
-          </a:p>
-          <a:p>
-            <a:pPr marL="285750" indent="-285750">
-              <a:buFont typeface="Arial" panose="020B0604020202020204" pitchFamily="34" charset="0"/>
-              <a:buChar char="•"/>
+              <a:t>Manter </a:t>
+            </a:r>
+            <a:r>
+              <a:rPr lang="pt-BR" sz="1400" b="1" dirty="0">
+                <a:solidFill>
+                  <a:srgbClr val="0070C0"/>
+                </a:solidFill>
+              </a:rPr>
+              <a:t>informações de alta qualidade </a:t>
+            </a:r>
+            <a:r>
+              <a:rPr lang="pt-BR" sz="1400" dirty="0">
+                <a:solidFill>
+                  <a:schemeClr val="tx1">
+                    <a:lumMod val="65000"/>
+                    <a:lumOff val="35000"/>
+                  </a:schemeClr>
+                </a:solidFill>
+              </a:rPr>
+              <a:t>para apoiar decisões corporativas;</a:t>
+            </a:r>
+          </a:p>
+          <a:p>
+            <a:pPr marL="342900" indent="-342900">
+              <a:buFont typeface="+mj-lt"/>
+              <a:buAutoNum type="arabicPeriod"/>
             </a:pPr>
             <a:r>
+              <a:rPr lang="pt-BR" sz="1400" b="1" dirty="0">
+                <a:solidFill>
+                  <a:srgbClr val="0070C0"/>
+                </a:solidFill>
+              </a:rPr>
+              <a:t>Agregar valor ao negócio </a:t>
+            </a:r>
+            <a:r>
               <a:rPr lang="pt-BR" sz="1400" dirty="0">
                 <a:solidFill>
                   <a:schemeClr val="tx1">
@@ -19741,13 +19876,13 @@
                   </a:schemeClr>
                 </a:solidFill>
               </a:rPr>
-              <a:t>Agregar valor ao negócio a partir dos investimentos em TI, ou seja, atingir os objetivos estratégicos e obter benefícios com a TI;</a:t>
-            </a:r>
-          </a:p>
-          <a:p>
-            <a:pPr marL="285750" indent="-285750">
-              <a:buFont typeface="Arial" panose="020B0604020202020204" pitchFamily="34" charset="0"/>
-              <a:buChar char="•"/>
+              <a:t>a partir dos investimentos em TI, ou seja, atingir os objetivos estratégicos e obter benefícios com a TI;</a:t>
+            </a:r>
+          </a:p>
+          <a:p>
+            <a:pPr marL="342900" indent="-342900">
+              <a:buFont typeface="+mj-lt"/>
+              <a:buAutoNum type="arabicPeriod"/>
             </a:pPr>
             <a:r>
               <a:rPr lang="pt-BR" sz="1400" dirty="0">
@@ -19758,13 +19893,32 @@
                   </a:schemeClr>
                 </a:solidFill>
               </a:rPr>
-              <a:t>Alcançar excelência operacional por meio da aplicação confiável e eficiente da tecnologia;</a:t>
-            </a:r>
-          </a:p>
-          <a:p>
-            <a:pPr marL="285750" indent="-285750">
-              <a:buFont typeface="Arial" panose="020B0604020202020204" pitchFamily="34" charset="0"/>
-              <a:buChar char="•"/>
+              <a:t>Alcançar </a:t>
+            </a:r>
+            <a:r>
+              <a:rPr lang="pt-BR" sz="1400" b="1" dirty="0">
+                <a:solidFill>
+                  <a:srgbClr val="0070C0"/>
+                </a:solidFill>
+              </a:rPr>
+              <a:t>excelência operacional </a:t>
+            </a:r>
+            <a:r>
+              <a:rPr lang="pt-BR" sz="1400" dirty="0">
+                <a:solidFill>
+                  <a:schemeClr val="tx1">
+                    <a:lumMod val="65000"/>
+                    <a:lumOff val="35000"/>
+                  </a:schemeClr>
+                </a:solidFill>
+              </a:rPr>
+              <a:t>por meio da aplicação confiável e eficiente da tecnologia;</a:t>
+            </a:r>
+          </a:p>
+          <a:p>
+            <a:pPr marL="342900" indent="-342900">
+              <a:buFont typeface="+mj-lt"/>
+              <a:buAutoNum type="arabicPeriod"/>
             </a:pPr>
             <a:r>
               <a:rPr lang="pt-BR" sz="1400" dirty="0">
@@ -19775,15 +19929,42 @@
                   </a:schemeClr>
                 </a:solidFill>
               </a:rPr>
-              <a:t>Manter o risco de TI em um nível aceitável;</a:t>
-            </a:r>
-          </a:p>
-          <a:p>
-            <a:pPr marL="285750" indent="-285750">
-              <a:buFont typeface="Arial" panose="020B0604020202020204" pitchFamily="34" charset="0"/>
-              <a:buChar char="•"/>
+              <a:t>Manter o </a:t>
+            </a:r>
+            <a:r>
+              <a:rPr lang="pt-BR" sz="1400" b="1" dirty="0">
+                <a:solidFill>
+                  <a:srgbClr val="0070C0"/>
+                </a:solidFill>
+              </a:rPr>
+              <a:t>risco de TI </a:t>
+            </a:r>
+            <a:r>
+              <a:rPr lang="pt-BR" sz="1400" dirty="0">
+                <a:solidFill>
+                  <a:schemeClr val="tx1">
+                    <a:lumMod val="65000"/>
+                    <a:lumOff val="35000"/>
+                  </a:schemeClr>
+                </a:solidFill>
+              </a:rPr>
+              <a:t>em um nível aceitável;</a:t>
+            </a:r>
+          </a:p>
+          <a:p>
+            <a:pPr marL="342900" indent="-342900">
+              <a:buFont typeface="+mj-lt"/>
+              <a:buAutoNum type="arabicPeriod"/>
             </a:pPr>
             <a:r>
+              <a:rPr lang="pt-BR" sz="1400" b="1" dirty="0">
+                <a:solidFill>
+                  <a:srgbClr val="0070C0"/>
+                </a:solidFill>
+              </a:rPr>
+              <a:t>Otimizar o custo </a:t>
+            </a:r>
+            <a:r>
               <a:rPr lang="pt-BR" sz="1400" dirty="0">
                 <a:solidFill>
                   <a:schemeClr val="tx1">
@@ -19792,13 +19973,13 @@
                   </a:schemeClr>
                 </a:solidFill>
               </a:rPr>
-              <a:t>Otimizar o custo da tecnologia e dos serviços de TI;</a:t>
-            </a:r>
-          </a:p>
-          <a:p>
-            <a:pPr marL="285750" indent="-285750">
-              <a:buFont typeface="Arial" panose="020B0604020202020204" pitchFamily="34" charset="0"/>
-              <a:buChar char="•"/>
+              <a:t>da tecnologia e dos serviços de TI;</a:t>
+            </a:r>
+          </a:p>
+          <a:p>
+            <a:pPr marL="342900" indent="-342900">
+              <a:buFont typeface="+mj-lt"/>
+              <a:buAutoNum type="arabicPeriod"/>
             </a:pPr>
             <a:r>
               <a:rPr lang="pt-BR" sz="1400" dirty="0">
@@ -19809,7 +19990,26 @@
                   </a:schemeClr>
                 </a:solidFill>
               </a:rPr>
-              <a:t>Cumprir leis, regulamentos, acordos contratuais e políticas pertinentes cada vez mais presentes.</a:t>
+              <a:t>Cumprir </a:t>
+            </a:r>
+            <a:r>
+              <a:rPr lang="pt-BR" sz="1400" b="1" dirty="0">
+                <a:solidFill>
+                  <a:srgbClr val="0070C0"/>
+                </a:solidFill>
+              </a:rPr>
+              <a:t>leis</a:t>
+            </a:r>
+            <a:r>
+              <a:rPr lang="pt-BR" sz="1400" dirty="0">
+                <a:solidFill>
+                  <a:schemeClr val="tx1">
+                    <a:lumMod val="65000"/>
+                    <a:lumOff val="35000"/>
+                  </a:schemeClr>
+                </a:solidFill>
+              </a:rPr>
+              <a:t>, regulamentos, acordos contratuais e políticas pertinentes cada vez mais presentes.</a:t>
             </a:r>
           </a:p>
         </p:txBody>
@@ -20086,7 +20286,7 @@
         </p:nvGrpSpPr>
         <p:grpSpPr>
           <a:xfrm>
-            <a:off x="6002164" y="1404009"/>
+            <a:off x="5991049" y="1379564"/>
             <a:ext cx="2481242" cy="2844009"/>
             <a:chOff x="8959367" y="2243285"/>
             <a:chExt cx="2952014" cy="2729264"/>
@@ -20256,7 +20456,7 @@
         <p:spPr>
           <a:xfrm>
             <a:off x="870822" y="1487185"/>
-            <a:ext cx="4981337" cy="2677656"/>
+            <a:ext cx="5181842" cy="2739211"/>
           </a:xfrm>
           <a:prstGeom prst="rect">
             <a:avLst/>
@@ -20329,7 +20529,26 @@
                   </a:schemeClr>
                 </a:solidFill>
               </a:rPr>
-              <a:t>O COBIT 5 baseia-se em cinco princípios básicos para governança e gestão de TI da organização:</a:t>
+              <a:t>O COBIT 5 baseia-se em </a:t>
+            </a:r>
+            <a:r>
+              <a:rPr lang="pt-BR" sz="1400" b="1" dirty="0">
+                <a:solidFill>
+                  <a:srgbClr val="0070C0"/>
+                </a:solidFill>
+              </a:rPr>
+              <a:t>cinco princípios básicos para governança </a:t>
+            </a:r>
+            <a:r>
+              <a:rPr lang="pt-BR" sz="1400" dirty="0">
+                <a:solidFill>
+                  <a:schemeClr val="tx1">
+                    <a:lumMod val="65000"/>
+                    <a:lumOff val="35000"/>
+                  </a:schemeClr>
+                </a:solidFill>
+              </a:rPr>
+              <a:t>e gestão de TI da organização:</a:t>
             </a:r>
           </a:p>
           <a:p>
@@ -20349,7 +20568,26 @@
                   </a:schemeClr>
                 </a:solidFill>
               </a:rPr>
-              <a:t>1º Princípio: Atender às necessidades das partes interessadas;</a:t>
+              <a:t>1º Princípio: Atender às </a:t>
+            </a:r>
+            <a:r>
+              <a:rPr lang="pt-BR" sz="1400" b="1" dirty="0">
+                <a:solidFill>
+                  <a:srgbClr val="0070C0"/>
+                </a:solidFill>
+              </a:rPr>
+              <a:t>necessidades das partes interessadas</a:t>
+            </a:r>
+            <a:r>
+              <a:rPr lang="pt-BR" sz="1400" dirty="0">
+                <a:solidFill>
+                  <a:schemeClr val="tx1">
+                    <a:lumMod val="65000"/>
+                    <a:lumOff val="35000"/>
+                  </a:schemeClr>
+                </a:solidFill>
+              </a:rPr>
+              <a:t>;</a:t>
             </a:r>
           </a:p>
           <a:p>
@@ -20369,7 +20607,26 @@
                   </a:schemeClr>
                 </a:solidFill>
               </a:rPr>
-              <a:t>2º Princípio: Cobrir a organização de ponta a ponta;</a:t>
+              <a:t>2º Princípio: Cobrir a organização de </a:t>
+            </a:r>
+            <a:r>
+              <a:rPr lang="pt-BR" sz="1400" b="1" dirty="0">
+                <a:solidFill>
+                  <a:srgbClr val="0070C0"/>
+                </a:solidFill>
+              </a:rPr>
+              <a:t>ponta a ponta</a:t>
+            </a:r>
+            <a:r>
+              <a:rPr lang="pt-BR" sz="1400" dirty="0">
+                <a:solidFill>
+                  <a:schemeClr val="tx1">
+                    <a:lumMod val="65000"/>
+                    <a:lumOff val="35000"/>
+                  </a:schemeClr>
+                </a:solidFill>
+              </a:rPr>
+              <a:t>;</a:t>
             </a:r>
           </a:p>
           <a:p>
@@ -20392,17 +20649,22 @@
               <a:t>3º Princípio: Aplicar um </a:t>
             </a:r>
             <a:r>
-              <a:rPr lang="pt-BR" sz="1400" i="1" dirty="0">
-                <a:solidFill>
-                  <a:schemeClr val="tx1">
-                    <a:lumMod val="65000"/>
-                    <a:lumOff val="35000"/>
-                  </a:schemeClr>
+              <a:rPr lang="pt-BR" sz="1400" b="1" i="1" dirty="0">
+                <a:solidFill>
+                  <a:srgbClr val="0070C0"/>
                 </a:solidFill>
               </a:rPr>
               <a:t>framework</a:t>
             </a:r>
             <a:r>
+              <a:rPr lang="pt-BR" sz="1400" b="1" dirty="0">
+                <a:solidFill>
+                  <a:srgbClr val="0070C0"/>
+                </a:solidFill>
+              </a:rPr>
+              <a:t> único </a:t>
+            </a:r>
+            <a:r>
               <a:rPr lang="pt-BR" sz="1400" dirty="0">
                 <a:solidFill>
                   <a:schemeClr val="tx1">
@@ -20411,7 +20673,7 @@
                   </a:schemeClr>
                 </a:solidFill>
               </a:rPr>
-              <a:t> único e integrado;</a:t>
+              <a:t>e integrado;</a:t>
             </a:r>
           </a:p>
           <a:p>
@@ -20431,7 +20693,26 @@
                   </a:schemeClr>
                 </a:solidFill>
               </a:rPr>
-              <a:t>4º Princípio: Permitir uma abordagem holística;</a:t>
+              <a:t>4º Princípio: Permitir uma abordagem </a:t>
+            </a:r>
+            <a:r>
+              <a:rPr lang="pt-BR" sz="1400" b="1" dirty="0">
+                <a:solidFill>
+                  <a:srgbClr val="0070C0"/>
+                </a:solidFill>
+              </a:rPr>
+              <a:t>holística</a:t>
+            </a:r>
+            <a:r>
+              <a:rPr lang="pt-BR" sz="1400" dirty="0">
+                <a:solidFill>
+                  <a:schemeClr val="tx1">
+                    <a:lumMod val="65000"/>
+                    <a:lumOff val="35000"/>
+                  </a:schemeClr>
+                </a:solidFill>
+              </a:rPr>
+              <a:t>;</a:t>
             </a:r>
           </a:p>
           <a:p>
@@ -20451,7 +20732,26 @@
                   </a:schemeClr>
                 </a:solidFill>
               </a:rPr>
-              <a:t>5º Princípio: Distinguir a Governança da Gestão.</a:t>
+              <a:t>5º Princípio</a:t>
+            </a:r>
+            <a:r>
+              <a:rPr lang="pt-BR" b="1" dirty="0">
+                <a:solidFill>
+                  <a:srgbClr val="00B050"/>
+                </a:solidFill>
+              </a:rPr>
+              <a:t>: Distinguir a Governança da Gestão</a:t>
+            </a:r>
+            <a:r>
+              <a:rPr lang="pt-BR" sz="1400" dirty="0">
+                <a:solidFill>
+                  <a:schemeClr val="tx1">
+                    <a:lumMod val="65000"/>
+                    <a:lumOff val="35000"/>
+                  </a:schemeClr>
+                </a:solidFill>
+              </a:rPr>
+              <a:t>.</a:t>
             </a:r>
           </a:p>
         </p:txBody>
@@ -20641,25 +20941,7 @@
               <a:srgbClr val="FFFFFF"/>
             </a:contourClr>
           </a:sp3d>
-          <a:extLst>
-            <a:ext uri="{909E8E84-426E-40DD-AFC4-6F175D3DCCD1}">
-              <a14:hiddenFill xmlns:a14="http://schemas.microsoft.com/office/drawing/2010/main">
-                <a:solidFill>
-                  <a:schemeClr val="accent1"/>
-                </a:solidFill>
-              </a14:hiddenFill>
-            </a:ext>
-            <a:ext uri="{91240B29-F687-4F45-9708-019B960494DF}">
-              <a14:hiddenLine xmlns:a14="http://schemas.microsoft.com/office/drawing/2010/main" w="9525">
-                <a:solidFill>
-                  <a:schemeClr val="tx1"/>
-                </a:solidFill>
-                <a:miter lim="800000"/>
-                <a:headEnd/>
-                <a:tailEnd/>
-              </a14:hiddenLine>
-            </a:ext>
-          </a:extLst>
+          <a:extLst/>
         </p:spPr>
       </p:pic>
       <p:sp>
@@ -20793,25 +21075,7 @@
               <a:srgbClr val="FFFFFF"/>
             </a:contourClr>
           </a:sp3d>
-          <a:extLst>
-            <a:ext uri="{909E8E84-426E-40DD-AFC4-6F175D3DCCD1}">
-              <a14:hiddenFill xmlns:a14="http://schemas.microsoft.com/office/drawing/2010/main">
-                <a:solidFill>
-                  <a:schemeClr val="accent1"/>
-                </a:solidFill>
-              </a14:hiddenFill>
-            </a:ext>
-            <a:ext uri="{91240B29-F687-4F45-9708-019B960494DF}">
-              <a14:hiddenLine xmlns:a14="http://schemas.microsoft.com/office/drawing/2010/main" w="9525">
-                <a:solidFill>
-                  <a:schemeClr val="tx1"/>
-                </a:solidFill>
-                <a:miter lim="800000"/>
-                <a:headEnd/>
-                <a:tailEnd/>
-              </a14:hiddenLine>
-            </a:ext>
-          </a:extLst>
+          <a:extLst/>
         </p:spPr>
       </p:pic>
       <p:sp>
@@ -21121,25 +21385,7 @@
               <a:srgbClr val="FFFFFF"/>
             </a:contourClr>
           </a:sp3d>
-          <a:extLst>
-            <a:ext uri="{909E8E84-426E-40DD-AFC4-6F175D3DCCD1}">
-              <a14:hiddenFill xmlns:a14="http://schemas.microsoft.com/office/drawing/2010/main">
-                <a:solidFill>
-                  <a:schemeClr val="accent1"/>
-                </a:solidFill>
-              </a14:hiddenFill>
-            </a:ext>
-            <a:ext uri="{91240B29-F687-4F45-9708-019B960494DF}">
-              <a14:hiddenLine xmlns:a14="http://schemas.microsoft.com/office/drawing/2010/main" w="9525">
-                <a:solidFill>
-                  <a:schemeClr val="tx1"/>
-                </a:solidFill>
-                <a:miter lim="800000"/>
-                <a:headEnd/>
-                <a:tailEnd/>
-              </a14:hiddenLine>
-            </a:ext>
-          </a:extLst>
+          <a:extLst/>
         </p:spPr>
       </p:pic>
       <p:sp>
@@ -21425,25 +21671,7 @@
               <a:srgbClr val="FFFFFF"/>
             </a:contourClr>
           </a:sp3d>
-          <a:extLst>
-            <a:ext uri="{909E8E84-426E-40DD-AFC4-6F175D3DCCD1}">
-              <a14:hiddenFill xmlns:a14="http://schemas.microsoft.com/office/drawing/2010/main">
-                <a:solidFill>
-                  <a:schemeClr val="accent1"/>
-                </a:solidFill>
-              </a14:hiddenFill>
-            </a:ext>
-            <a:ext uri="{91240B29-F687-4F45-9708-019B960494DF}">
-              <a14:hiddenLine xmlns:a14="http://schemas.microsoft.com/office/drawing/2010/main" w="9525">
-                <a:solidFill>
-                  <a:schemeClr val="tx1"/>
-                </a:solidFill>
-                <a:miter lim="800000"/>
-                <a:headEnd/>
-                <a:tailEnd/>
-              </a14:hiddenLine>
-            </a:ext>
-          </a:extLst>
+          <a:extLst/>
         </p:spPr>
       </p:pic>
     </p:spTree>
@@ -21823,7 +22051,7 @@
         <p:spPr>
           <a:xfrm>
             <a:off x="699229" y="1160859"/>
-            <a:ext cx="5079269" cy="3339376"/>
+            <a:ext cx="5079269" cy="3431709"/>
           </a:xfrm>
           <a:prstGeom prst="rect">
             <a:avLst/>
@@ -21959,12 +22187,9 @@
               <a:buChar char="•"/>
             </a:pPr>
             <a:r>
-              <a:rPr lang="pt-BR" sz="1400" dirty="0">
-                <a:solidFill>
-                  <a:schemeClr val="tx1">
-                    <a:lumMod val="65000"/>
-                    <a:lumOff val="35000"/>
-                  </a:schemeClr>
+              <a:rPr lang="pt-BR" sz="1600" b="1" i="1" dirty="0">
+                <a:solidFill>
+                  <a:srgbClr val="00B050"/>
                 </a:solidFill>
               </a:rPr>
               <a:t>Para quem são os benefícios?</a:t>
@@ -21979,12 +22204,9 @@
               <a:buChar char="•"/>
             </a:pPr>
             <a:r>
-              <a:rPr lang="pt-BR" sz="1400" dirty="0">
-                <a:solidFill>
-                  <a:schemeClr val="tx1">
-                    <a:lumMod val="65000"/>
-                    <a:lumOff val="35000"/>
-                  </a:schemeClr>
+              <a:rPr lang="pt-BR" sz="1600" b="1" i="1" dirty="0">
+                <a:solidFill>
+                  <a:srgbClr val="00B050"/>
                 </a:solidFill>
               </a:rPr>
               <a:t>Quem assume o risco?</a:t>
@@ -21999,12 +22221,9 @@
               <a:buChar char="•"/>
             </a:pPr>
             <a:r>
-              <a:rPr lang="pt-BR" sz="1400" dirty="0">
-                <a:solidFill>
-                  <a:schemeClr val="tx1">
-                    <a:lumMod val="65000"/>
-                    <a:lumOff val="35000"/>
-                  </a:schemeClr>
+              <a:rPr lang="pt-BR" sz="1600" b="1" i="1" dirty="0">
+                <a:solidFill>
+                  <a:srgbClr val="00B050"/>
                 </a:solidFill>
               </a:rPr>
               <a:t>Que recursos são necessários? </a:t>
@@ -22197,25 +22416,7 @@
               <a:srgbClr val="FFFFFF"/>
             </a:contourClr>
           </a:sp3d>
-          <a:extLst>
-            <a:ext uri="{909E8E84-426E-40DD-AFC4-6F175D3DCCD1}">
-              <a14:hiddenFill xmlns:a14="http://schemas.microsoft.com/office/drawing/2010/main">
-                <a:solidFill>
-                  <a:schemeClr val="accent1"/>
-                </a:solidFill>
-              </a14:hiddenFill>
-            </a:ext>
-            <a:ext uri="{91240B29-F687-4F45-9708-019B960494DF}">
-              <a14:hiddenLine xmlns:a14="http://schemas.microsoft.com/office/drawing/2010/main" w="9525">
-                <a:solidFill>
-                  <a:schemeClr val="tx1"/>
-                </a:solidFill>
-                <a:miter lim="800000"/>
-                <a:headEnd/>
-                <a:tailEnd/>
-              </a14:hiddenLine>
-            </a:ext>
-          </a:extLst>
+          <a:extLst/>
         </p:spPr>
       </p:pic>
       <p:sp>
@@ -22525,25 +22726,7 @@
               <a:srgbClr val="FFFFFF"/>
             </a:contourClr>
           </a:sp3d>
-          <a:extLst>
-            <a:ext uri="{909E8E84-426E-40DD-AFC4-6F175D3DCCD1}">
-              <a14:hiddenFill xmlns:a14="http://schemas.microsoft.com/office/drawing/2010/main">
-                <a:solidFill>
-                  <a:schemeClr val="accent1"/>
-                </a:solidFill>
-              </a14:hiddenFill>
-            </a:ext>
-            <a:ext uri="{91240B29-F687-4F45-9708-019B960494DF}">
-              <a14:hiddenLine xmlns:a14="http://schemas.microsoft.com/office/drawing/2010/main" w="9525">
-                <a:solidFill>
-                  <a:schemeClr val="tx1"/>
-                </a:solidFill>
-                <a:miter lim="800000"/>
-                <a:headEnd/>
-                <a:tailEnd/>
-              </a14:hiddenLine>
-            </a:ext>
-          </a:extLst>
+          <a:extLst/>
         </p:spPr>
       </p:pic>
       <p:sp>
@@ -22829,25 +23012,7 @@
               <a:srgbClr val="FFFFFF"/>
             </a:contourClr>
           </a:sp3d>
-          <a:extLst>
-            <a:ext uri="{909E8E84-426E-40DD-AFC4-6F175D3DCCD1}">
-              <a14:hiddenFill xmlns:a14="http://schemas.microsoft.com/office/drawing/2010/main">
-                <a:solidFill>
-                  <a:schemeClr val="accent1"/>
-                </a:solidFill>
-              </a14:hiddenFill>
-            </a:ext>
-            <a:ext uri="{91240B29-F687-4F45-9708-019B960494DF}">
-              <a14:hiddenLine xmlns:a14="http://schemas.microsoft.com/office/drawing/2010/main" w="9525">
-                <a:solidFill>
-                  <a:schemeClr val="tx1"/>
-                </a:solidFill>
-                <a:miter lim="800000"/>
-                <a:headEnd/>
-                <a:tailEnd/>
-              </a14:hiddenLine>
-            </a:ext>
-          </a:extLst>
+          <a:extLst/>
         </p:spPr>
       </p:pic>
     </p:spTree>
@@ -23006,7 +23171,7 @@
         </p:nvSpPr>
         <p:spPr>
           <a:xfrm>
-            <a:off x="485335" y="1138063"/>
+            <a:off x="151439" y="1174509"/>
             <a:ext cx="7651445" cy="3343153"/>
           </a:xfrm>
           <a:prstGeom prst="rect">
@@ -23270,8 +23435,8 @@
         </p:nvSpPr>
         <p:spPr>
           <a:xfrm>
-            <a:off x="705609" y="1526849"/>
-            <a:ext cx="4088152" cy="2677656"/>
+            <a:off x="150667" y="1390374"/>
+            <a:ext cx="4734385" cy="2923877"/>
           </a:xfrm>
           <a:prstGeom prst="rect">
             <a:avLst/>
@@ -23284,7 +23449,7 @@
           </a:bodyPr>
           <a:lstStyle/>
           <a:p>
-            <a:pPr>
+            <a:pPr algn="ctr">
               <a:defRPr/>
             </a:pPr>
             <a:r>
@@ -23327,7 +23492,82 @@
                   </a:schemeClr>
                 </a:solidFill>
               </a:rPr>
-              <a:t>“A governança de TI é de responsabilidade da alta administração (incluindo diretores e executivos), na liderança, nas estruturas organizacionais  e nos processos que garantem que a TI da empresa sustente e estenda as estratégias e os objetivos da organização.” (ITGI, 2007)</a:t>
+              <a:t>“A governança de TI é de responsabilidade da </a:t>
+            </a:r>
+            <a:r>
+              <a:rPr lang="pt-BR" sz="1600" b="1" dirty="0">
+                <a:solidFill>
+                  <a:srgbClr val="0070C0"/>
+                </a:solidFill>
+              </a:rPr>
+              <a:t>alta administração </a:t>
+            </a:r>
+            <a:r>
+              <a:rPr lang="pt-BR" sz="1400" dirty="0">
+                <a:solidFill>
+                  <a:schemeClr val="tx1">
+                    <a:lumMod val="65000"/>
+                    <a:lumOff val="35000"/>
+                  </a:schemeClr>
+                </a:solidFill>
+              </a:rPr>
+              <a:t>(incluindo diretores e executivos), na liderança, nas estruturas organizacionais  e nos processos que garantem que a TI da empresa sustente e estenda </a:t>
+            </a:r>
+            <a:r>
+              <a:rPr lang="pt-BR" sz="1600" b="1" dirty="0">
+                <a:solidFill>
+                  <a:srgbClr val="0070C0"/>
+                </a:solidFill>
+              </a:rPr>
+              <a:t>as estratégias e os objetivos </a:t>
+            </a:r>
+            <a:r>
+              <a:rPr lang="pt-BR" sz="1400" dirty="0">
+                <a:solidFill>
+                  <a:schemeClr val="tx1">
+                    <a:lumMod val="65000"/>
+                    <a:lumOff val="35000"/>
+                  </a:schemeClr>
+                </a:solidFill>
+              </a:rPr>
+              <a:t>da organização.” (ITGI, 2007)</a:t>
+            </a:r>
+          </a:p>
+          <a:p>
+            <a:pPr marL="741363" lvl="1" indent="-285750">
+              <a:buFont typeface="Arial" panose="020B0604020202020204" pitchFamily="34" charset="0"/>
+              <a:buChar char="•"/>
+              <a:defRPr/>
+            </a:pPr>
+            <a:r>
+              <a:rPr lang="pt-BR" dirty="0">
+                <a:solidFill>
+                  <a:schemeClr val="accent3">
+                    <a:lumMod val="75000"/>
+                  </a:schemeClr>
+                </a:solidFill>
+              </a:rPr>
+              <a:t>Que exemplos </a:t>
+            </a:r>
+            <a:r>
+              <a:rPr lang="pt-BR" dirty="0" err="1">
+                <a:solidFill>
+                  <a:schemeClr val="accent3">
+                    <a:lumMod val="75000"/>
+                  </a:schemeClr>
+                </a:solidFill>
+              </a:rPr>
+              <a:t>vcs</a:t>
+            </a:r>
+            <a:r>
+              <a:rPr lang="pt-BR" dirty="0">
+                <a:solidFill>
+                  <a:schemeClr val="accent3">
+                    <a:lumMod val="75000"/>
+                  </a:schemeClr>
+                </a:solidFill>
+              </a:rPr>
+              <a:t> acham ? </a:t>
             </a:r>
           </a:p>
           <a:p>
@@ -23367,7 +23607,26 @@
                   </a:schemeClr>
                 </a:solidFill>
               </a:rPr>
-              <a:t> de responsabilidades para estimular comportamentos desejáveis na utilização da TI.”  (WEILL &amp; ROSS, 2006)</a:t>
+              <a:t> de responsabilidades para estimular </a:t>
+            </a:r>
+            <a:r>
+              <a:rPr lang="pt-BR" sz="1600" b="1" i="1" dirty="0">
+                <a:solidFill>
+                  <a:srgbClr val="0070C0"/>
+                </a:solidFill>
+              </a:rPr>
+              <a:t>comportamentos desejáveis na utilização da TI</a:t>
+            </a:r>
+            <a:r>
+              <a:rPr lang="pt-BR" sz="1400" dirty="0">
+                <a:solidFill>
+                  <a:schemeClr val="tx1">
+                    <a:lumMod val="65000"/>
+                    <a:lumOff val="35000"/>
+                  </a:schemeClr>
+                </a:solidFill>
+              </a:rPr>
+              <a:t>.”  (WEILL &amp; ROSS, 2006)</a:t>
             </a:r>
           </a:p>
         </p:txBody>
@@ -23883,7 +24142,26 @@
                   </a:schemeClr>
                 </a:solidFill>
               </a:rPr>
-              <a:t>Integra a governança corporativa de TI à governança corporativa da organização;</a:t>
+              <a:t>Integra a </a:t>
+            </a:r>
+            <a:r>
+              <a:rPr lang="pt-BR" sz="1400" b="1" dirty="0">
+                <a:solidFill>
+                  <a:srgbClr val="00B0F0"/>
+                </a:solidFill>
+              </a:rPr>
+              <a:t>governança corporativa de TI à governança corporativa da organização</a:t>
+            </a:r>
+            <a:r>
+              <a:rPr lang="pt-BR" sz="1400" dirty="0">
+                <a:solidFill>
+                  <a:schemeClr val="tx1">
+                    <a:lumMod val="65000"/>
+                    <a:lumOff val="35000"/>
+                  </a:schemeClr>
+                </a:solidFill>
+              </a:rPr>
+              <a:t>;</a:t>
             </a:r>
           </a:p>
           <a:p>
@@ -23903,7 +24181,89 @@
                   </a:schemeClr>
                 </a:solidFill>
               </a:rPr>
-              <a:t>Engloba o tratamento de todos os serviços de TI e dos processos de negócio, tanto os internos quanto os externos.</a:t>
+              <a:t>Engloba o tratamento de </a:t>
+            </a:r>
+            <a:r>
+              <a:rPr lang="pt-BR" sz="1400" b="1" i="1" dirty="0">
+                <a:solidFill>
+                  <a:schemeClr val="tx1">
+                    <a:lumMod val="65000"/>
+                    <a:lumOff val="35000"/>
+                  </a:schemeClr>
+                </a:solidFill>
+              </a:rPr>
+              <a:t>todos os serviços de TI</a:t>
+            </a:r>
+            <a:r>
+              <a:rPr lang="pt-BR" sz="1400" dirty="0">
+                <a:solidFill>
+                  <a:schemeClr val="tx1">
+                    <a:lumMod val="65000"/>
+                    <a:lumOff val="35000"/>
+                  </a:schemeClr>
+                </a:solidFill>
+              </a:rPr>
+              <a:t> e dos </a:t>
+            </a:r>
+            <a:r>
+              <a:rPr lang="pt-BR" sz="1400" b="1" i="1" dirty="0">
+                <a:solidFill>
+                  <a:schemeClr val="tx1">
+                    <a:lumMod val="65000"/>
+                    <a:lumOff val="35000"/>
+                  </a:schemeClr>
+                </a:solidFill>
+              </a:rPr>
+              <a:t>processos de negócio</a:t>
+            </a:r>
+            <a:r>
+              <a:rPr lang="pt-BR" sz="1400" dirty="0">
+                <a:solidFill>
+                  <a:schemeClr val="tx1">
+                    <a:lumMod val="65000"/>
+                    <a:lumOff val="35000"/>
+                  </a:schemeClr>
+                </a:solidFill>
+              </a:rPr>
+              <a:t>, tanto os </a:t>
+            </a:r>
+            <a:r>
+              <a:rPr lang="pt-BR" sz="1400" i="1" dirty="0">
+                <a:solidFill>
+                  <a:srgbClr val="00B0F0"/>
+                </a:solidFill>
+              </a:rPr>
+              <a:t>internos</a:t>
+            </a:r>
+            <a:r>
+              <a:rPr lang="pt-BR" sz="1400" dirty="0">
+                <a:solidFill>
+                  <a:schemeClr val="tx1">
+                    <a:lumMod val="65000"/>
+                    <a:lumOff val="35000"/>
+                  </a:schemeClr>
+                </a:solidFill>
+              </a:rPr>
+              <a:t> quanto os </a:t>
+            </a:r>
+            <a:r>
+              <a:rPr lang="pt-BR" sz="1400" i="1" dirty="0">
+                <a:solidFill>
+                  <a:srgbClr val="00B0F0"/>
+                </a:solidFill>
+              </a:rPr>
+              <a:t>externos</a:t>
+            </a:r>
+            <a:r>
+              <a:rPr lang="pt-BR" sz="1400" dirty="0">
+                <a:solidFill>
+                  <a:schemeClr val="tx1">
+                    <a:lumMod val="65000"/>
+                    <a:lumOff val="35000"/>
+                  </a:schemeClr>
+                </a:solidFill>
+              </a:rPr>
+              <a:t>.</a:t>
             </a:r>
           </a:p>
           <a:p>
@@ -24111,25 +24471,7 @@
               <a:srgbClr val="FFFFFF"/>
             </a:contourClr>
           </a:sp3d>
-          <a:extLst>
-            <a:ext uri="{909E8E84-426E-40DD-AFC4-6F175D3DCCD1}">
-              <a14:hiddenFill xmlns:a14="http://schemas.microsoft.com/office/drawing/2010/main">
-                <a:solidFill>
-                  <a:schemeClr val="accent1"/>
-                </a:solidFill>
-              </a14:hiddenFill>
-            </a:ext>
-            <a:ext uri="{91240B29-F687-4F45-9708-019B960494DF}">
-              <a14:hiddenLine xmlns:a14="http://schemas.microsoft.com/office/drawing/2010/main" w="9525">
-                <a:solidFill>
-                  <a:schemeClr val="tx1"/>
-                </a:solidFill>
-                <a:miter lim="800000"/>
-                <a:headEnd/>
-                <a:tailEnd/>
-              </a14:hiddenLine>
-            </a:ext>
-          </a:extLst>
+          <a:extLst/>
         </p:spPr>
       </p:pic>
       <p:sp>
@@ -24439,25 +24781,7 @@
               <a:srgbClr val="FFFFFF"/>
             </a:contourClr>
           </a:sp3d>
-          <a:extLst>
-            <a:ext uri="{909E8E84-426E-40DD-AFC4-6F175D3DCCD1}">
-              <a14:hiddenFill xmlns:a14="http://schemas.microsoft.com/office/drawing/2010/main">
-                <a:solidFill>
-                  <a:schemeClr val="accent1"/>
-                </a:solidFill>
-              </a14:hiddenFill>
-            </a:ext>
-            <a:ext uri="{91240B29-F687-4F45-9708-019B960494DF}">
-              <a14:hiddenLine xmlns:a14="http://schemas.microsoft.com/office/drawing/2010/main" w="9525">
-                <a:solidFill>
-                  <a:schemeClr val="tx1"/>
-                </a:solidFill>
-                <a:miter lim="800000"/>
-                <a:headEnd/>
-                <a:tailEnd/>
-              </a14:hiddenLine>
-            </a:ext>
-          </a:extLst>
+          <a:extLst/>
         </p:spPr>
       </p:pic>
       <p:sp>
@@ -24743,25 +25067,7 @@
               <a:srgbClr val="FFFFFF"/>
             </a:contourClr>
           </a:sp3d>
-          <a:extLst>
-            <a:ext uri="{909E8E84-426E-40DD-AFC4-6F175D3DCCD1}">
-              <a14:hiddenFill xmlns:a14="http://schemas.microsoft.com/office/drawing/2010/main">
-                <a:solidFill>
-                  <a:schemeClr val="accent1"/>
-                </a:solidFill>
-              </a14:hiddenFill>
-            </a:ext>
-            <a:ext uri="{91240B29-F687-4F45-9708-019B960494DF}">
-              <a14:hiddenLine xmlns:a14="http://schemas.microsoft.com/office/drawing/2010/main" w="9525">
-                <a:solidFill>
-                  <a:schemeClr val="tx1"/>
-                </a:solidFill>
-                <a:miter lim="800000"/>
-                <a:headEnd/>
-                <a:tailEnd/>
-              </a14:hiddenLine>
-            </a:ext>
-          </a:extLst>
+          <a:extLst/>
         </p:spPr>
       </p:pic>
     </p:spTree>
@@ -25305,7 +25611,26 @@
                   </a:schemeClr>
                 </a:solidFill>
               </a:rPr>
-              <a:t>Sua arquitetura é simples, servindo como fonte consistente e integrada de diretrizes para estruturação dos materiais de orientação e produção de um conjunto consistente de produtos; </a:t>
+              <a:t>Sua </a:t>
+            </a:r>
+            <a:r>
+              <a:rPr lang="pt-BR" sz="1400" b="1" dirty="0">
+                <a:solidFill>
+                  <a:srgbClr val="00B0F0"/>
+                </a:solidFill>
+              </a:rPr>
+              <a:t>arquitetura é simples</a:t>
+            </a:r>
+            <a:r>
+              <a:rPr lang="pt-BR" sz="1400" dirty="0">
+                <a:solidFill>
+                  <a:schemeClr val="tx1">
+                    <a:lumMod val="65000"/>
+                    <a:lumOff val="35000"/>
+                  </a:schemeClr>
+                </a:solidFill>
+              </a:rPr>
+              <a:t>, servindo como fonte consistente e integrada de diretrizes para estruturação dos materiais de orientação e produção de um conjunto consistente de produtos; </a:t>
             </a:r>
           </a:p>
           <a:p>
@@ -25347,7 +25672,15 @@
                   </a:schemeClr>
                 </a:solidFill>
               </a:rPr>
-              <a:t> importantes, tais como: ITIL; TOGAF; normas ISO etc.;</a:t>
+              <a:t> importantes, tais como</a:t>
+            </a:r>
+            <a:r>
+              <a:rPr lang="pt-BR" sz="1400" b="1" i="1" dirty="0">
+                <a:solidFill>
+                  <a:srgbClr val="00B0F0"/>
+                </a:solidFill>
+              </a:rPr>
+              <a:t>: ITIL; TOGAF; normas ISO etc.;</a:t>
             </a:r>
           </a:p>
           <a:p>
@@ -25557,25 +25890,7 @@
               <a:srgbClr val="FFFFFF"/>
             </a:contourClr>
           </a:sp3d>
-          <a:extLst>
-            <a:ext uri="{909E8E84-426E-40DD-AFC4-6F175D3DCCD1}">
-              <a14:hiddenFill xmlns:a14="http://schemas.microsoft.com/office/drawing/2010/main">
-                <a:solidFill>
-                  <a:schemeClr val="accent1"/>
-                </a:solidFill>
-              </a14:hiddenFill>
-            </a:ext>
-            <a:ext uri="{91240B29-F687-4F45-9708-019B960494DF}">
-              <a14:hiddenLine xmlns:a14="http://schemas.microsoft.com/office/drawing/2010/main" w="9525">
-                <a:solidFill>
-                  <a:schemeClr val="tx1"/>
-                </a:solidFill>
-                <a:miter lim="800000"/>
-                <a:headEnd/>
-                <a:tailEnd/>
-              </a14:hiddenLine>
-            </a:ext>
-          </a:extLst>
+          <a:extLst/>
         </p:spPr>
       </p:pic>
       <p:sp>
@@ -25885,25 +26200,7 @@
               <a:srgbClr val="FFFFFF"/>
             </a:contourClr>
           </a:sp3d>
-          <a:extLst>
-            <a:ext uri="{909E8E84-426E-40DD-AFC4-6F175D3DCCD1}">
-              <a14:hiddenFill xmlns:a14="http://schemas.microsoft.com/office/drawing/2010/main">
-                <a:solidFill>
-                  <a:schemeClr val="accent1"/>
-                </a:solidFill>
-              </a14:hiddenFill>
-            </a:ext>
-            <a:ext uri="{91240B29-F687-4F45-9708-019B960494DF}">
-              <a14:hiddenLine xmlns:a14="http://schemas.microsoft.com/office/drawing/2010/main" w="9525">
-                <a:solidFill>
-                  <a:schemeClr val="tx1"/>
-                </a:solidFill>
-                <a:miter lim="800000"/>
-                <a:headEnd/>
-                <a:tailEnd/>
-              </a14:hiddenLine>
-            </a:ext>
-          </a:extLst>
+          <a:extLst/>
         </p:spPr>
       </p:pic>
       <p:sp>
@@ -26189,25 +26486,7 @@
               <a:srgbClr val="FFFFFF"/>
             </a:contourClr>
           </a:sp3d>
-          <a:extLst>
-            <a:ext uri="{909E8E84-426E-40DD-AFC4-6F175D3DCCD1}">
-              <a14:hiddenFill xmlns:a14="http://schemas.microsoft.com/office/drawing/2010/main">
-                <a:solidFill>
-                  <a:schemeClr val="accent1"/>
-                </a:solidFill>
-              </a14:hiddenFill>
-            </a:ext>
-            <a:ext uri="{91240B29-F687-4F45-9708-019B960494DF}">
-              <a14:hiddenLine xmlns:a14="http://schemas.microsoft.com/office/drawing/2010/main" w="9525">
-                <a:solidFill>
-                  <a:schemeClr val="tx1"/>
-                </a:solidFill>
-                <a:miter lim="800000"/>
-                <a:headEnd/>
-                <a:tailEnd/>
-              </a14:hiddenLine>
-            </a:ext>
-          </a:extLst>
+          <a:extLst/>
         </p:spPr>
       </p:pic>
     </p:spTree>
@@ -27019,25 +27298,7 @@
               <a:srgbClr val="FFFFFF"/>
             </a:contourClr>
           </a:sp3d>
-          <a:extLst>
-            <a:ext uri="{909E8E84-426E-40DD-AFC4-6F175D3DCCD1}">
-              <a14:hiddenFill xmlns:a14="http://schemas.microsoft.com/office/drawing/2010/main">
-                <a:solidFill>
-                  <a:schemeClr val="accent1"/>
-                </a:solidFill>
-              </a14:hiddenFill>
-            </a:ext>
-            <a:ext uri="{91240B29-F687-4F45-9708-019B960494DF}">
-              <a14:hiddenLine xmlns:a14="http://schemas.microsoft.com/office/drawing/2010/main" w="9525">
-                <a:solidFill>
-                  <a:schemeClr val="tx1"/>
-                </a:solidFill>
-                <a:miter lim="800000"/>
-                <a:headEnd/>
-                <a:tailEnd/>
-              </a14:hiddenLine>
-            </a:ext>
-          </a:extLst>
+          <a:extLst/>
         </p:spPr>
       </p:pic>
       <p:sp>
@@ -27347,25 +27608,7 @@
               <a:srgbClr val="FFFFFF"/>
             </a:contourClr>
           </a:sp3d>
-          <a:extLst>
-            <a:ext uri="{909E8E84-426E-40DD-AFC4-6F175D3DCCD1}">
-              <a14:hiddenFill xmlns:a14="http://schemas.microsoft.com/office/drawing/2010/main">
-                <a:solidFill>
-                  <a:schemeClr val="accent1"/>
-                </a:solidFill>
-              </a14:hiddenFill>
-            </a:ext>
-            <a:ext uri="{91240B29-F687-4F45-9708-019B960494DF}">
-              <a14:hiddenLine xmlns:a14="http://schemas.microsoft.com/office/drawing/2010/main" w="9525">
-                <a:solidFill>
-                  <a:schemeClr val="tx1"/>
-                </a:solidFill>
-                <a:miter lim="800000"/>
-                <a:headEnd/>
-                <a:tailEnd/>
-              </a14:hiddenLine>
-            </a:ext>
-          </a:extLst>
+          <a:extLst/>
         </p:spPr>
       </p:pic>
       <p:sp>
@@ -27651,25 +27894,7 @@
               <a:srgbClr val="FFFFFF"/>
             </a:contourClr>
           </a:sp3d>
-          <a:extLst>
-            <a:ext uri="{909E8E84-426E-40DD-AFC4-6F175D3DCCD1}">
-              <a14:hiddenFill xmlns:a14="http://schemas.microsoft.com/office/drawing/2010/main">
-                <a:solidFill>
-                  <a:schemeClr val="accent1"/>
-                </a:solidFill>
-              </a14:hiddenFill>
-            </a:ext>
-            <a:ext uri="{91240B29-F687-4F45-9708-019B960494DF}">
-              <a14:hiddenLine xmlns:a14="http://schemas.microsoft.com/office/drawing/2010/main" w="9525">
-                <a:solidFill>
-                  <a:schemeClr val="tx1"/>
-                </a:solidFill>
-                <a:miter lim="800000"/>
-                <a:headEnd/>
-                <a:tailEnd/>
-              </a14:hiddenLine>
-            </a:ext>
-          </a:extLst>
+          <a:extLst/>
         </p:spPr>
       </p:pic>
     </p:spTree>
@@ -28049,7 +28274,7 @@
         <p:spPr>
           <a:xfrm>
             <a:off x="622733" y="1248715"/>
-            <a:ext cx="5209738" cy="3139321"/>
+            <a:ext cx="5402590" cy="2898166"/>
           </a:xfrm>
           <a:prstGeom prst="rect">
             <a:avLst/>
@@ -28133,7 +28358,26 @@
                   </a:schemeClr>
                 </a:solidFill>
               </a:rPr>
-              <a:t>“Garante que as necessidades, condições e opções das partes interessadas sejam avaliadas a fim de determinar objetivos corporativos acordados e equilibrados; definindo a direção através de priorizações e tomadas de decisão; e monitorando o desempenho e a conformidade com a direção e os objetivos estabelecidos.”</a:t>
+              <a:t>“Garante que as necessidades, condições e opções das partes interessadas sejam avaliadas a fim de determinar </a:t>
+            </a:r>
+            <a:r>
+              <a:rPr lang="pt-BR" sz="1600" b="1" dirty="0">
+                <a:solidFill>
+                  <a:srgbClr val="00B050"/>
+                </a:solidFill>
+              </a:rPr>
+              <a:t>objetivos corporativos acordados </a:t>
+            </a:r>
+            <a:r>
+              <a:rPr lang="pt-BR" sz="1400" dirty="0">
+                <a:solidFill>
+                  <a:schemeClr val="tx1">
+                    <a:lumMod val="65000"/>
+                    <a:lumOff val="35000"/>
+                  </a:schemeClr>
+                </a:solidFill>
+              </a:rPr>
+              <a:t>e equilibrados; definindo a direção através de priorizações e tomadas de decisão; e monitorando o desempenho e a conformidade com a direção e os objetivos estabelecidos.”</a:t>
             </a:r>
           </a:p>
           <a:p>
@@ -28186,7 +28430,26 @@
                   </a:schemeClr>
                 </a:solidFill>
               </a:rPr>
-              <a:t>É responsável pelo planejamento, desenvolvimento, execução e monitoramento das atividades em consonância com a direção definida pelo órgão de governança a fim de atingir os objetivos corporativos.”</a:t>
+              <a:t>É responsável </a:t>
+            </a:r>
+            <a:r>
+              <a:rPr lang="pt-BR" sz="1400" b="1" dirty="0">
+                <a:solidFill>
+                  <a:srgbClr val="00B050"/>
+                </a:solidFill>
+              </a:rPr>
+              <a:t>pelo planejamento, desenvolvimento, execução e monitoramento das atividades </a:t>
+            </a:r>
+            <a:r>
+              <a:rPr lang="pt-BR" sz="1400" dirty="0">
+                <a:solidFill>
+                  <a:schemeClr val="tx1">
+                    <a:lumMod val="65000"/>
+                    <a:lumOff val="35000"/>
+                  </a:schemeClr>
+                </a:solidFill>
+              </a:rPr>
+              <a:t>em consonância com a direção definida pelo órgão de governança a fim de atingir os objetivos corporativos.”</a:t>
             </a:r>
           </a:p>
         </p:txBody>
@@ -28445,7 +28708,7 @@
         </p:nvSpPr>
         <p:spPr>
           <a:xfrm>
-            <a:off x="485335" y="1138063"/>
+            <a:off x="485335" y="1082648"/>
             <a:ext cx="7651445" cy="3343153"/>
           </a:xfrm>
           <a:prstGeom prst="rect">
@@ -28709,8 +28972,8 @@
         </p:nvSpPr>
         <p:spPr>
           <a:xfrm>
-            <a:off x="902557" y="1742292"/>
-            <a:ext cx="3767917" cy="2246769"/>
+            <a:off x="543139" y="1149128"/>
+            <a:ext cx="4525937" cy="3096360"/>
           </a:xfrm>
           <a:prstGeom prst="rect">
             <a:avLst/>
@@ -28727,7 +28990,7 @@
               <a:defRPr/>
             </a:pPr>
             <a:r>
-              <a:rPr lang="pt-BR" sz="1400" b="1" dirty="0">
+              <a:rPr lang="pt-BR" b="1" dirty="0">
                 <a:solidFill>
                   <a:srgbClr val="4FAFA8"/>
                 </a:solidFill>
@@ -28736,15 +28999,15 @@
             </a:r>
           </a:p>
           <a:p>
-            <a:pPr marL="285750" indent="-285750">
+            <a:pPr marL="342900" indent="-342900">
               <a:lnSpc>
                 <a:spcPct val="150000"/>
               </a:lnSpc>
-              <a:buFont typeface="Arial" panose="020B0604020202020204" pitchFamily="34" charset="0"/>
-              <a:buChar char="•"/>
+              <a:buFont typeface="+mj-lt"/>
+              <a:buAutoNum type="arabicPeriod"/>
             </a:pPr>
             <a:r>
-              <a:rPr lang="pt-BR" sz="1400" dirty="0">
+              <a:rPr lang="pt-BR" dirty="0">
                 <a:solidFill>
                   <a:schemeClr val="tx1">
                     <a:lumMod val="65000"/>
@@ -28756,15 +29019,15 @@
             </a:r>
           </a:p>
           <a:p>
-            <a:pPr marL="285750" indent="-285750">
+            <a:pPr marL="342900" indent="-342900">
               <a:lnSpc>
                 <a:spcPct val="150000"/>
               </a:lnSpc>
-              <a:buFont typeface="Arial" panose="020B0604020202020204" pitchFamily="34" charset="0"/>
-              <a:buChar char="•"/>
+              <a:buFont typeface="+mj-lt"/>
+              <a:buAutoNum type="arabicPeriod"/>
             </a:pPr>
             <a:r>
-              <a:rPr lang="pt-BR" sz="1400" dirty="0">
+              <a:rPr lang="pt-BR" dirty="0">
                 <a:solidFill>
                   <a:schemeClr val="tx1">
                     <a:lumMod val="65000"/>
@@ -28776,15 +29039,15 @@
             </a:r>
           </a:p>
           <a:p>
-            <a:pPr marL="285750" indent="-285750">
+            <a:pPr marL="342900" indent="-342900">
               <a:lnSpc>
                 <a:spcPct val="150000"/>
               </a:lnSpc>
-              <a:buFont typeface="Arial" panose="020B0604020202020204" pitchFamily="34" charset="0"/>
-              <a:buChar char="•"/>
+              <a:buFont typeface="+mj-lt"/>
+              <a:buAutoNum type="arabicPeriod"/>
             </a:pPr>
             <a:r>
-              <a:rPr lang="pt-BR" sz="1400" dirty="0">
+              <a:rPr lang="pt-BR" dirty="0">
                 <a:solidFill>
                   <a:schemeClr val="tx1">
                     <a:lumMod val="65000"/>
@@ -28796,15 +29059,15 @@
             </a:r>
           </a:p>
           <a:p>
-            <a:pPr marL="285750" indent="-285750">
+            <a:pPr marL="342900" indent="-342900">
               <a:lnSpc>
                 <a:spcPct val="150000"/>
               </a:lnSpc>
-              <a:buFont typeface="Arial" panose="020B0604020202020204" pitchFamily="34" charset="0"/>
-              <a:buChar char="•"/>
+              <a:buFont typeface="+mj-lt"/>
+              <a:buAutoNum type="arabicPeriod"/>
             </a:pPr>
             <a:r>
-              <a:rPr lang="pt-BR" sz="1400" dirty="0">
+              <a:rPr lang="pt-BR" dirty="0">
                 <a:solidFill>
                   <a:schemeClr val="tx1">
                     <a:lumMod val="65000"/>
@@ -28816,15 +29079,15 @@
             </a:r>
           </a:p>
           <a:p>
-            <a:pPr marL="285750" indent="-285750">
+            <a:pPr marL="342900" indent="-342900">
               <a:lnSpc>
                 <a:spcPct val="150000"/>
               </a:lnSpc>
-              <a:buFont typeface="Arial" panose="020B0604020202020204" pitchFamily="34" charset="0"/>
-              <a:buChar char="•"/>
+              <a:buFont typeface="+mj-lt"/>
+              <a:buAutoNum type="arabicPeriod"/>
             </a:pPr>
             <a:r>
-              <a:rPr lang="pt-BR" sz="1400" dirty="0">
+              <a:rPr lang="pt-BR" dirty="0">
                 <a:solidFill>
                   <a:schemeClr val="tx1">
                     <a:lumMod val="65000"/>
@@ -28836,15 +29099,15 @@
             </a:r>
           </a:p>
           <a:p>
-            <a:pPr marL="285750" indent="-285750">
+            <a:pPr marL="342900" indent="-342900">
               <a:lnSpc>
                 <a:spcPct val="150000"/>
               </a:lnSpc>
-              <a:buFont typeface="Arial" panose="020B0604020202020204" pitchFamily="34" charset="0"/>
-              <a:buChar char="•"/>
+              <a:buFont typeface="+mj-lt"/>
+              <a:buAutoNum type="arabicPeriod"/>
             </a:pPr>
             <a:r>
-              <a:rPr lang="pt-BR" sz="1400" dirty="0">
+              <a:rPr lang="pt-BR" dirty="0">
                 <a:solidFill>
                   <a:schemeClr val="tx1">
                     <a:lumMod val="65000"/>
